--- a/Presentation on Airline Safety & Statistics.pptx
+++ b/Presentation on Airline Safety & Statistics.pptx
@@ -11,8 +11,7 @@
     <p:sldId id="264" r:id="rId5"/>
     <p:sldId id="257" r:id="rId6"/>
     <p:sldId id="265" r:id="rId7"/>
-    <p:sldId id="267" r:id="rId8"/>
-    <p:sldId id="263" r:id="rId9"/>
+    <p:sldId id="263" r:id="rId8"/>
   </p:sldIdLst>
   <p:sldSz cx="12192000" cy="6858000"/>
   <p:notesSz cx="6858000" cy="9144000"/>
@@ -340,7 +339,7 @@
           <a:p>
             <a:fld id="{C485584D-7D79-4248-9986-4CA35242F944}" type="datetimeFigureOut">
               <a:rPr lang="en-US" smtClean="0"/>
-              <a:t>1/18/22</a:t>
+              <a:t>3/3/22</a:t>
             </a:fld>
             <a:endParaRPr lang="en-US"/>
           </a:p>
@@ -714,7 +713,7 @@
           <a:p>
             <a:fld id="{C485584D-7D79-4248-9986-4CA35242F944}" type="datetimeFigureOut">
               <a:rPr lang="en-US" smtClean="0"/>
-              <a:t>1/18/22</a:t>
+              <a:t>3/3/22</a:t>
             </a:fld>
             <a:endParaRPr lang="en-US"/>
           </a:p>
@@ -924,7 +923,7 @@
           <a:p>
             <a:fld id="{C485584D-7D79-4248-9986-4CA35242F944}" type="datetimeFigureOut">
               <a:rPr lang="en-US" smtClean="0"/>
-              <a:t>1/18/22</a:t>
+              <a:t>3/3/22</a:t>
             </a:fld>
             <a:endParaRPr lang="en-US"/>
           </a:p>
@@ -1123,7 +1122,7 @@
           <a:p>
             <a:fld id="{C485584D-7D79-4248-9986-4CA35242F944}" type="datetimeFigureOut">
               <a:rPr lang="en-US" smtClean="0"/>
-              <a:t>1/18/22</a:t>
+              <a:t>3/3/22</a:t>
             </a:fld>
             <a:endParaRPr lang="en-US"/>
           </a:p>
@@ -1236,7 +1235,7 @@
           <a:p>
             <a:fld id="{C485584D-7D79-4248-9986-4CA35242F944}" type="datetimeFigureOut">
               <a:rPr lang="en-US" smtClean="0"/>
-              <a:t>1/18/22</a:t>
+              <a:t>3/3/22</a:t>
             </a:fld>
             <a:endParaRPr lang="en-US"/>
           </a:p>
@@ -1972,7 +1971,7 @@
           <a:p>
             <a:fld id="{C485584D-7D79-4248-9986-4CA35242F944}" type="datetimeFigureOut">
               <a:rPr lang="en-US" smtClean="0"/>
-              <a:t>1/18/22</a:t>
+              <a:t>3/3/22</a:t>
             </a:fld>
             <a:endParaRPr lang="en-US"/>
           </a:p>
@@ -2388,7 +2387,7 @@
           <a:p>
             <a:fld id="{C485584D-7D79-4248-9986-4CA35242F944}" type="datetimeFigureOut">
               <a:rPr lang="en-US" smtClean="0"/>
-              <a:t>1/18/22</a:t>
+              <a:t>3/3/22</a:t>
             </a:fld>
             <a:endParaRPr lang="en-US"/>
           </a:p>
@@ -2529,7 +2528,7 @@
           <a:p>
             <a:fld id="{C485584D-7D79-4248-9986-4CA35242F944}" type="datetimeFigureOut">
               <a:rPr lang="en-US" smtClean="0"/>
-              <a:t>1/18/22</a:t>
+              <a:t>3/3/22</a:t>
             </a:fld>
             <a:endParaRPr lang="en-US"/>
           </a:p>
@@ -2642,7 +2641,7 @@
           <a:p>
             <a:fld id="{C485584D-7D79-4248-9986-4CA35242F944}" type="datetimeFigureOut">
               <a:rPr lang="en-US" smtClean="0"/>
-              <a:t>1/18/22</a:t>
+              <a:t>3/3/22</a:t>
             </a:fld>
             <a:endParaRPr lang="en-US"/>
           </a:p>
@@ -2955,7 +2954,7 @@
           <a:p>
             <a:fld id="{C485584D-7D79-4248-9986-4CA35242F944}" type="datetimeFigureOut">
               <a:rPr lang="en-US" smtClean="0"/>
-              <a:t>1/18/22</a:t>
+              <a:t>3/3/22</a:t>
             </a:fld>
             <a:endParaRPr lang="en-US"/>
           </a:p>
@@ -3247,7 +3246,7 @@
           <a:p>
             <a:fld id="{C485584D-7D79-4248-9986-4CA35242F944}" type="datetimeFigureOut">
               <a:rPr lang="en-US" smtClean="0"/>
-              <a:t>1/18/22</a:t>
+              <a:t>3/3/22</a:t>
             </a:fld>
             <a:endParaRPr lang="en-US"/>
           </a:p>
@@ -3531,7 +3530,7 @@
           <a:p>
             <a:fld id="{C485584D-7D79-4248-9986-4CA35242F944}" type="datetimeFigureOut">
               <a:rPr lang="en-US" smtClean="0"/>
-              <a:t>1/18/22</a:t>
+              <a:t>3/3/22</a:t>
             </a:fld>
             <a:endParaRPr lang="en-US"/>
           </a:p>
@@ -6948,99 +6947,6 @@
           <p:cNvPr id="2" name="Title 1">
             <a:extLst>
               <a:ext uri="{FF2B5EF4-FFF2-40B4-BE49-F238E27FC236}">
-                <a16:creationId xmlns:a16="http://schemas.microsoft.com/office/drawing/2014/main" id="{EBD25391-89F2-9D49-ABBE-C71D0E6FE436}"/>
-              </a:ext>
-            </a:extLst>
-          </p:cNvPr>
-          <p:cNvSpPr>
-            <a:spLocks noGrp="1"/>
-          </p:cNvSpPr>
-          <p:nvPr>
-            <p:ph type="title"/>
-          </p:nvPr>
-        </p:nvSpPr>
-        <p:spPr>
-          <a:xfrm>
-            <a:off x="460664" y="-162791"/>
-            <a:ext cx="10134600" cy="1288489"/>
-          </a:xfrm>
-        </p:spPr>
-        <p:txBody>
-          <a:bodyPr/>
-          <a:lstStyle/>
-          <a:p>
-            <a:r>
-              <a:rPr lang="en-US" dirty="0"/>
-              <a:t>GitHub Repository Linked</a:t>
-            </a:r>
-          </a:p>
-        </p:txBody>
-      </p:sp>
-      <p:pic>
-        <p:nvPicPr>
-          <p:cNvPr id="5" name="Picture 4" descr="Graphical user interface, text&#10;&#10;Description automatically generated">
-            <a:extLst>
-              <a:ext uri="{FF2B5EF4-FFF2-40B4-BE49-F238E27FC236}">
-                <a16:creationId xmlns:a16="http://schemas.microsoft.com/office/drawing/2014/main" id="{EBCAF92A-5090-A540-95D5-8752C0A6292B}"/>
-              </a:ext>
-            </a:extLst>
-          </p:cNvPr>
-          <p:cNvPicPr>
-            <a:picLocks noChangeAspect="1"/>
-          </p:cNvPicPr>
-          <p:nvPr/>
-        </p:nvPicPr>
-        <p:blipFill>
-          <a:blip r:embed="rId2"/>
-          <a:stretch>
-            <a:fillRect/>
-          </a:stretch>
-        </p:blipFill>
-        <p:spPr>
-          <a:xfrm>
-            <a:off x="2675036" y="1690254"/>
-            <a:ext cx="6444026" cy="4239491"/>
-          </a:xfrm>
-          <a:prstGeom prst="rect">
-            <a:avLst/>
-          </a:prstGeom>
-        </p:spPr>
-      </p:pic>
-    </p:spTree>
-    <p:extLst>
-      <p:ext uri="{BB962C8B-B14F-4D97-AF65-F5344CB8AC3E}">
-        <p14:creationId xmlns:p14="http://schemas.microsoft.com/office/powerpoint/2010/main" val="250915857"/>
-      </p:ext>
-    </p:extLst>
-  </p:cSld>
-  <p:clrMapOvr>
-    <a:masterClrMapping/>
-  </p:clrMapOvr>
-</p:sld>
-</file>
-
-<file path=ppt/slides/slide8.xml><?xml version="1.0" encoding="utf-8"?>
-<p:sld xmlns:a="http://schemas.openxmlformats.org/drawingml/2006/main" xmlns:r="http://schemas.openxmlformats.org/officeDocument/2006/relationships" xmlns:p="http://schemas.openxmlformats.org/presentationml/2006/main">
-  <p:cSld>
-    <p:spTree>
-      <p:nvGrpSpPr>
-        <p:cNvPr id="1" name=""/>
-        <p:cNvGrpSpPr/>
-        <p:nvPr/>
-      </p:nvGrpSpPr>
-      <p:grpSpPr>
-        <a:xfrm>
-          <a:off x="0" y="0"/>
-          <a:ext cx="0" cy="0"/>
-          <a:chOff x="0" y="0"/>
-          <a:chExt cx="0" cy="0"/>
-        </a:xfrm>
-      </p:grpSpPr>
-      <p:sp>
-        <p:nvSpPr>
-          <p:cNvPr id="2" name="Title 1">
-            <a:extLst>
-              <a:ext uri="{FF2B5EF4-FFF2-40B4-BE49-F238E27FC236}">
                 <a16:creationId xmlns:a16="http://schemas.microsoft.com/office/drawing/2014/main" id="{6E2B93EA-778E-544A-B227-705DB2BBC488}"/>
               </a:ext>
             </a:extLst>
